--- a/02_PLC/UI/사용자화면.pptx
+++ b/02_PLC/UI/사용자화면.pptx
@@ -273,7 +273,7 @@
           <a:p>
             <a:fld id="{0798170F-27EE-4B28-A84F-3CCAB42D8429}" type="datetimeFigureOut">
               <a:rPr lang="ko-KR" altLang="en-US" smtClean="0"/>
-              <a:t>2024-09-10</a:t>
+              <a:t>2024-09-12</a:t>
             </a:fld>
             <a:endParaRPr lang="ko-KR" altLang="en-US"/>
           </a:p>
@@ -471,7 +471,7 @@
           <a:p>
             <a:fld id="{0798170F-27EE-4B28-A84F-3CCAB42D8429}" type="datetimeFigureOut">
               <a:rPr lang="ko-KR" altLang="en-US" smtClean="0"/>
-              <a:t>2024-09-10</a:t>
+              <a:t>2024-09-12</a:t>
             </a:fld>
             <a:endParaRPr lang="ko-KR" altLang="en-US"/>
           </a:p>
@@ -679,7 +679,7 @@
           <a:p>
             <a:fld id="{0798170F-27EE-4B28-A84F-3CCAB42D8429}" type="datetimeFigureOut">
               <a:rPr lang="ko-KR" altLang="en-US" smtClean="0"/>
-              <a:t>2024-09-10</a:t>
+              <a:t>2024-09-12</a:t>
             </a:fld>
             <a:endParaRPr lang="ko-KR" altLang="en-US"/>
           </a:p>
@@ -877,7 +877,7 @@
           <a:p>
             <a:fld id="{0798170F-27EE-4B28-A84F-3CCAB42D8429}" type="datetimeFigureOut">
               <a:rPr lang="ko-KR" altLang="en-US" smtClean="0"/>
-              <a:t>2024-09-10</a:t>
+              <a:t>2024-09-12</a:t>
             </a:fld>
             <a:endParaRPr lang="ko-KR" altLang="en-US"/>
           </a:p>
@@ -1152,7 +1152,7 @@
           <a:p>
             <a:fld id="{0798170F-27EE-4B28-A84F-3CCAB42D8429}" type="datetimeFigureOut">
               <a:rPr lang="ko-KR" altLang="en-US" smtClean="0"/>
-              <a:t>2024-09-10</a:t>
+              <a:t>2024-09-12</a:t>
             </a:fld>
             <a:endParaRPr lang="ko-KR" altLang="en-US"/>
           </a:p>
@@ -1417,7 +1417,7 @@
           <a:p>
             <a:fld id="{0798170F-27EE-4B28-A84F-3CCAB42D8429}" type="datetimeFigureOut">
               <a:rPr lang="ko-KR" altLang="en-US" smtClean="0"/>
-              <a:t>2024-09-10</a:t>
+              <a:t>2024-09-12</a:t>
             </a:fld>
             <a:endParaRPr lang="ko-KR" altLang="en-US"/>
           </a:p>
@@ -1829,7 +1829,7 @@
           <a:p>
             <a:fld id="{0798170F-27EE-4B28-A84F-3CCAB42D8429}" type="datetimeFigureOut">
               <a:rPr lang="ko-KR" altLang="en-US" smtClean="0"/>
-              <a:t>2024-09-10</a:t>
+              <a:t>2024-09-12</a:t>
             </a:fld>
             <a:endParaRPr lang="ko-KR" altLang="en-US"/>
           </a:p>
@@ -1970,7 +1970,7 @@
           <a:p>
             <a:fld id="{0798170F-27EE-4B28-A84F-3CCAB42D8429}" type="datetimeFigureOut">
               <a:rPr lang="ko-KR" altLang="en-US" smtClean="0"/>
-              <a:t>2024-09-10</a:t>
+              <a:t>2024-09-12</a:t>
             </a:fld>
             <a:endParaRPr lang="ko-KR" altLang="en-US"/>
           </a:p>
@@ -2083,7 +2083,7 @@
           <a:p>
             <a:fld id="{0798170F-27EE-4B28-A84F-3CCAB42D8429}" type="datetimeFigureOut">
               <a:rPr lang="ko-KR" altLang="en-US" smtClean="0"/>
-              <a:t>2024-09-10</a:t>
+              <a:t>2024-09-12</a:t>
             </a:fld>
             <a:endParaRPr lang="ko-KR" altLang="en-US"/>
           </a:p>
@@ -2394,7 +2394,7 @@
           <a:p>
             <a:fld id="{0798170F-27EE-4B28-A84F-3CCAB42D8429}" type="datetimeFigureOut">
               <a:rPr lang="ko-KR" altLang="en-US" smtClean="0"/>
-              <a:t>2024-09-10</a:t>
+              <a:t>2024-09-12</a:t>
             </a:fld>
             <a:endParaRPr lang="ko-KR" altLang="en-US"/>
           </a:p>
@@ -2682,7 +2682,7 @@
           <a:p>
             <a:fld id="{0798170F-27EE-4B28-A84F-3CCAB42D8429}" type="datetimeFigureOut">
               <a:rPr lang="ko-KR" altLang="en-US" smtClean="0"/>
-              <a:t>2024-09-10</a:t>
+              <a:t>2024-09-12</a:t>
             </a:fld>
             <a:endParaRPr lang="ko-KR" altLang="en-US"/>
           </a:p>
@@ -2923,7 +2923,7 @@
           <a:p>
             <a:fld id="{0798170F-27EE-4B28-A84F-3CCAB42D8429}" type="datetimeFigureOut">
               <a:rPr lang="ko-KR" altLang="en-US" smtClean="0"/>
-              <a:t>2024-09-10</a:t>
+              <a:t>2024-09-12</a:t>
             </a:fld>
             <a:endParaRPr lang="ko-KR" altLang="en-US"/>
           </a:p>
@@ -10876,7 +10876,7 @@
           <a:p>
             <a:pPr lvl="1"/>
             <a:r>
-              <a:rPr lang="en-US" altLang="ko-KR" sz="3200">
+              <a:rPr lang="en-US" altLang="ko-KR" sz="3200" dirty="0">
                 <a:latin typeface="HY동녘M" panose="02030600000101010101" pitchFamily="18" charset="-127"/>
                 <a:ea typeface="HY동녘M" panose="02030600000101010101" pitchFamily="18" charset="-127"/>
                 <a:cs typeface="ADLaM Display" panose="020F0502020204030204" pitchFamily="2" charset="0"/>
@@ -10885,16 +10885,52 @@
               <a:t> </a:t>
             </a:r>
             <a:r>
-              <a:rPr lang="ko-KR" altLang="en-US" sz="3200">
+              <a:rPr lang="ko-KR" altLang="en-US" sz="3200" dirty="0">
                 <a:latin typeface="HY동녘M" panose="02030600000101010101" pitchFamily="18" charset="-127"/>
                 <a:ea typeface="HY동녘M" panose="02030600000101010101" pitchFamily="18" charset="-127"/>
                 <a:cs typeface="ADLaM Display" panose="020F0502020204030204" pitchFamily="2" charset="0"/>
                 <a:sym typeface="Wingdings" panose="05000000000000000000" pitchFamily="2" charset="2"/>
               </a:rPr>
-              <a:t>필요하신 가공 공정을 선택해주세요</a:t>
-            </a:r>
-            <a:r>
-              <a:rPr lang="en-US" altLang="ko-KR" sz="3200">
+              <a:t>필요하신 가공 공정을 </a:t>
+            </a:r>
+            <a:r>
+              <a:rPr lang="en-US" altLang="ko-KR" sz="3200" dirty="0">
+                <a:latin typeface="HY동녘M" panose="02030600000101010101" pitchFamily="18" charset="-127"/>
+                <a:ea typeface="HY동녘M" panose="02030600000101010101" pitchFamily="18" charset="-127"/>
+                <a:cs typeface="ADLaM Display" panose="020F0502020204030204" pitchFamily="2" charset="0"/>
+                <a:sym typeface="Wingdings" panose="05000000000000000000" pitchFamily="2" charset="2"/>
+              </a:rPr>
+              <a:t>‘</a:t>
+            </a:r>
+            <a:r>
+              <a:rPr lang="ko-KR" altLang="en-US" sz="3200" dirty="0">
+                <a:latin typeface="HY동녘M" panose="02030600000101010101" pitchFamily="18" charset="-127"/>
+                <a:ea typeface="HY동녘M" panose="02030600000101010101" pitchFamily="18" charset="-127"/>
+                <a:cs typeface="ADLaM Display" panose="020F0502020204030204" pitchFamily="2" charset="0"/>
+                <a:sym typeface="Wingdings" panose="05000000000000000000" pitchFamily="2" charset="2"/>
+              </a:rPr>
+              <a:t>순서대로</a:t>
+            </a:r>
+            <a:r>
+              <a:rPr lang="en-US" altLang="ko-KR" sz="3200" dirty="0">
+                <a:latin typeface="HY동녘M" panose="02030600000101010101" pitchFamily="18" charset="-127"/>
+                <a:ea typeface="HY동녘M" panose="02030600000101010101" pitchFamily="18" charset="-127"/>
+                <a:cs typeface="ADLaM Display" panose="020F0502020204030204" pitchFamily="2" charset="0"/>
+                <a:sym typeface="Wingdings" panose="05000000000000000000" pitchFamily="2" charset="2"/>
+              </a:rPr>
+              <a:t>’</a:t>
+            </a:r>
+            <a:r>
+              <a:rPr lang="ko-KR" altLang="en-US" sz="3200" dirty="0">
+                <a:latin typeface="HY동녘M" panose="02030600000101010101" pitchFamily="18" charset="-127"/>
+                <a:ea typeface="HY동녘M" panose="02030600000101010101" pitchFamily="18" charset="-127"/>
+                <a:cs typeface="ADLaM Display" panose="020F0502020204030204" pitchFamily="2" charset="0"/>
+                <a:sym typeface="Wingdings" panose="05000000000000000000" pitchFamily="2" charset="2"/>
+              </a:rPr>
+              <a:t> 선택해주세요</a:t>
+            </a:r>
+            <a:r>
+              <a:rPr lang="en-US" altLang="ko-KR" sz="3200" dirty="0">
                 <a:latin typeface="HY동녘M" panose="02030600000101010101" pitchFamily="18" charset="-127"/>
                 <a:ea typeface="HY동녘M" panose="02030600000101010101" pitchFamily="18" charset="-127"/>
                 <a:cs typeface="ADLaM Display" panose="020F0502020204030204" pitchFamily="2" charset="0"/>
@@ -10902,7 +10938,7 @@
               </a:rPr>
               <a:t>.</a:t>
             </a:r>
-            <a:endParaRPr lang="ko-KR" altLang="en-US" sz="3200">
+            <a:endParaRPr lang="ko-KR" altLang="en-US" sz="3200" dirty="0">
               <a:latin typeface="HY동녘M" panose="02030600000101010101" pitchFamily="18" charset="-127"/>
               <a:ea typeface="HY동녘M" panose="02030600000101010101" pitchFamily="18" charset="-127"/>
               <a:cs typeface="ADLaM Display" panose="020F0502020204030204" pitchFamily="2" charset="0"/>
